--- a/O QUE TUA GLÓRIA FEZ COMIGO.pptx
+++ b/O QUE TUA GLÓRIA FEZ COMIGO.pptx
@@ -324,7 +324,7 @@
           <a:p>
             <a:fld id="{C764DE79-268F-4C1A-8933-263129D2AF90}" type="datetimeFigureOut">
               <a:rPr lang="en-US" smtClean="0"/>
-              <a:t>10/2/2022</a:t>
+              <a:t>12/26/2021</a:t>
             </a:fld>
             <a:endParaRPr lang="en-US" dirty="0"/>
           </a:p>
@@ -599,7 +599,7 @@
           <a:p>
             <a:fld id="{C764DE79-268F-4C1A-8933-263129D2AF90}" type="datetimeFigureOut">
               <a:rPr lang="en-US" smtClean="0"/>
-              <a:t>10/2/2022</a:t>
+              <a:t>12/26/2021</a:t>
             </a:fld>
             <a:endParaRPr lang="en-US" dirty="0"/>
           </a:p>
@@ -793,7 +793,7 @@
           <a:p>
             <a:fld id="{C764DE79-268F-4C1A-8933-263129D2AF90}" type="datetimeFigureOut">
               <a:rPr lang="en-US" smtClean="0"/>
-              <a:t>10/2/2022</a:t>
+              <a:t>12/26/2021</a:t>
             </a:fld>
             <a:endParaRPr lang="en-US" dirty="0"/>
           </a:p>
@@ -1066,7 +1066,7 @@
           <a:p>
             <a:fld id="{C764DE79-268F-4C1A-8933-263129D2AF90}" type="datetimeFigureOut">
               <a:rPr lang="en-US" smtClean="0"/>
-              <a:t>10/2/2022</a:t>
+              <a:t>12/26/2021</a:t>
             </a:fld>
             <a:endParaRPr lang="en-US" dirty="0"/>
           </a:p>
@@ -1407,7 +1407,7 @@
           <a:p>
             <a:fld id="{C764DE79-268F-4C1A-8933-263129D2AF90}" type="datetimeFigureOut">
               <a:rPr lang="en-US" smtClean="0"/>
-              <a:t>10/2/2022</a:t>
+              <a:t>12/26/2021</a:t>
             </a:fld>
             <a:endParaRPr lang="en-US" dirty="0"/>
           </a:p>
@@ -2030,7 +2030,7 @@
           <a:p>
             <a:fld id="{C764DE79-268F-4C1A-8933-263129D2AF90}" type="datetimeFigureOut">
               <a:rPr lang="en-US" smtClean="0"/>
-              <a:t>10/2/2022</a:t>
+              <a:t>12/26/2021</a:t>
             </a:fld>
             <a:endParaRPr lang="en-US" dirty="0"/>
           </a:p>
@@ -2890,7 +2890,7 @@
           <a:p>
             <a:fld id="{C764DE79-268F-4C1A-8933-263129D2AF90}" type="datetimeFigureOut">
               <a:rPr lang="en-US" smtClean="0"/>
-              <a:t>10/2/2022</a:t>
+              <a:t>12/26/2021</a:t>
             </a:fld>
             <a:endParaRPr lang="en-US" dirty="0"/>
           </a:p>
@@ -3060,7 +3060,7 @@
           <a:p>
             <a:fld id="{C764DE79-268F-4C1A-8933-263129D2AF90}" type="datetimeFigureOut">
               <a:rPr lang="en-US" smtClean="0"/>
-              <a:t>10/2/2022</a:t>
+              <a:t>12/26/2021</a:t>
             </a:fld>
             <a:endParaRPr lang="en-US" dirty="0"/>
           </a:p>
@@ -3240,7 +3240,7 @@
           <a:p>
             <a:fld id="{C764DE79-268F-4C1A-8933-263129D2AF90}" type="datetimeFigureOut">
               <a:rPr lang="en-US" smtClean="0"/>
-              <a:t>10/2/2022</a:t>
+              <a:t>12/26/2021</a:t>
             </a:fld>
             <a:endParaRPr lang="en-US" dirty="0"/>
           </a:p>
@@ -3410,7 +3410,7 @@
           <a:p>
             <a:fld id="{C764DE79-268F-4C1A-8933-263129D2AF90}" type="datetimeFigureOut">
               <a:rPr lang="en-US" smtClean="0"/>
-              <a:t>10/2/2022</a:t>
+              <a:t>12/26/2021</a:t>
             </a:fld>
             <a:endParaRPr lang="en-US" dirty="0"/>
           </a:p>
@@ -3657,7 +3657,7 @@
           <a:p>
             <a:fld id="{C764DE79-268F-4C1A-8933-263129D2AF90}" type="datetimeFigureOut">
               <a:rPr lang="en-US" smtClean="0"/>
-              <a:t>10/2/2022</a:t>
+              <a:t>12/26/2021</a:t>
             </a:fld>
             <a:endParaRPr lang="en-US" dirty="0"/>
           </a:p>
@@ -3949,7 +3949,7 @@
           <a:p>
             <a:fld id="{C764DE79-268F-4C1A-8933-263129D2AF90}" type="datetimeFigureOut">
               <a:rPr lang="en-US" smtClean="0"/>
-              <a:t>10/2/2022</a:t>
+              <a:t>12/26/2021</a:t>
             </a:fld>
             <a:endParaRPr lang="en-US" dirty="0"/>
           </a:p>
@@ -4393,7 +4393,7 @@
           <a:p>
             <a:fld id="{C764DE79-268F-4C1A-8933-263129D2AF90}" type="datetimeFigureOut">
               <a:rPr lang="en-US" smtClean="0"/>
-              <a:t>10/2/2022</a:t>
+              <a:t>12/26/2021</a:t>
             </a:fld>
             <a:endParaRPr lang="en-US" dirty="0"/>
           </a:p>
@@ -4511,7 +4511,7 @@
           <a:p>
             <a:fld id="{C764DE79-268F-4C1A-8933-263129D2AF90}" type="datetimeFigureOut">
               <a:rPr lang="en-US" smtClean="0"/>
-              <a:t>10/2/2022</a:t>
+              <a:t>12/26/2021</a:t>
             </a:fld>
             <a:endParaRPr lang="en-US" dirty="0"/>
           </a:p>
@@ -4606,7 +4606,7 @@
           <a:p>
             <a:fld id="{C764DE79-268F-4C1A-8933-263129D2AF90}" type="datetimeFigureOut">
               <a:rPr lang="en-US" smtClean="0"/>
-              <a:t>10/2/2022</a:t>
+              <a:t>12/26/2021</a:t>
             </a:fld>
             <a:endParaRPr lang="en-US" dirty="0"/>
           </a:p>
@@ -4885,7 +4885,7 @@
           <a:p>
             <a:fld id="{C764DE79-268F-4C1A-8933-263129D2AF90}" type="datetimeFigureOut">
               <a:rPr lang="en-US" smtClean="0"/>
-              <a:t>10/2/2022</a:t>
+              <a:t>12/26/2021</a:t>
             </a:fld>
             <a:endParaRPr lang="en-US" dirty="0"/>
           </a:p>
@@ -5160,7 +5160,7 @@
           <a:p>
             <a:fld id="{C764DE79-268F-4C1A-8933-263129D2AF90}" type="datetimeFigureOut">
               <a:rPr lang="en-US" smtClean="0"/>
-              <a:t>10/2/2022</a:t>
+              <a:t>12/26/2021</a:t>
             </a:fld>
             <a:endParaRPr lang="en-US" dirty="0"/>
           </a:p>
@@ -5589,7 +5589,7 @@
           <a:p>
             <a:fld id="{C764DE79-268F-4C1A-8933-263129D2AF90}" type="datetimeFigureOut">
               <a:rPr lang="en-US" smtClean="0"/>
-              <a:t>10/2/2022</a:t>
+              <a:t>12/26/2021</a:t>
             </a:fld>
             <a:endParaRPr lang="en-US" dirty="0"/>
           </a:p>
@@ -6230,13 +6230,6 @@
   <p:clrMapOvr>
     <a:masterClrMapping/>
   </p:clrMapOvr>
-  <p:timing>
-    <p:tnLst>
-      <p:par>
-        <p:cTn id="1" dur="indefinite" restart="never" nodeType="tmRoot"/>
-      </p:par>
-    </p:tnLst>
-  </p:timing>
 </p:sld>
 </file>
 
@@ -6350,13 +6343,6 @@
   <p:clrMapOvr>
     <a:masterClrMapping/>
   </p:clrMapOvr>
-  <p:timing>
-    <p:tnLst>
-      <p:par>
-        <p:cTn id="1" dur="indefinite" restart="never" nodeType="tmRoot"/>
-      </p:par>
-    </p:tnLst>
-  </p:timing>
 </p:sld>
 </file>
 
@@ -6489,13 +6475,6 @@
   <p:clrMapOvr>
     <a:masterClrMapping/>
   </p:clrMapOvr>
-  <p:timing>
-    <p:tnLst>
-      <p:par>
-        <p:cTn id="1" dur="indefinite" restart="never" nodeType="tmRoot"/>
-      </p:par>
-    </p:tnLst>
-  </p:timing>
 </p:sld>
 </file>
 
@@ -6619,13 +6598,6 @@
   <p:clrMapOvr>
     <a:masterClrMapping/>
   </p:clrMapOvr>
-  <p:timing>
-    <p:tnLst>
-      <p:par>
-        <p:cTn id="1" dur="indefinite" restart="never" nodeType="tmRoot"/>
-      </p:par>
-    </p:tnLst>
-  </p:timing>
 </p:sld>
 </file>
 
@@ -6739,13 +6711,6 @@
   <p:clrMapOvr>
     <a:masterClrMapping/>
   </p:clrMapOvr>
-  <p:timing>
-    <p:tnLst>
-      <p:par>
-        <p:cTn id="1" dur="indefinite" restart="never" nodeType="tmRoot"/>
-      </p:par>
-    </p:tnLst>
-  </p:timing>
 </p:sld>
 </file>
 
@@ -6878,13 +6843,6 @@
   <p:clrMapOvr>
     <a:masterClrMapping/>
   </p:clrMapOvr>
-  <p:timing>
-    <p:tnLst>
-      <p:par>
-        <p:cTn id="1" dur="indefinite" restart="never" nodeType="tmRoot"/>
-      </p:par>
-    </p:tnLst>
-  </p:timing>
 </p:sld>
 </file>
 
@@ -6998,13 +6956,6 @@
   <p:clrMapOvr>
     <a:masterClrMapping/>
   </p:clrMapOvr>
-  <p:timing>
-    <p:tnLst>
-      <p:par>
-        <p:cTn id="1" dur="indefinite" restart="never" nodeType="tmRoot"/>
-      </p:par>
-    </p:tnLst>
-  </p:timing>
 </p:sld>
 </file>
 
@@ -7102,13 +7053,6 @@
   <p:clrMapOvr>
     <a:masterClrMapping/>
   </p:clrMapOvr>
-  <p:timing>
-    <p:tnLst>
-      <p:par>
-        <p:cTn id="1" dur="indefinite" restart="never" nodeType="tmRoot"/>
-      </p:par>
-    </p:tnLst>
-  </p:timing>
 </p:sld>
 </file>
 
@@ -7260,13 +7204,6 @@
   <p:clrMapOvr>
     <a:masterClrMapping/>
   </p:clrMapOvr>
-  <p:timing>
-    <p:tnLst>
-      <p:par>
-        <p:cTn id="1" dur="indefinite" restart="never" nodeType="tmRoot"/>
-      </p:par>
-    </p:tnLst>
-  </p:timing>
 </p:sld>
 </file>
 
@@ -7380,13 +7317,6 @@
   <p:clrMapOvr>
     <a:masterClrMapping/>
   </p:clrMapOvr>
-  <p:timing>
-    <p:tnLst>
-      <p:par>
-        <p:cTn id="1" dur="indefinite" restart="never" nodeType="tmRoot"/>
-      </p:par>
-    </p:tnLst>
-  </p:timing>
 </p:sld>
 </file>
 
@@ -7503,13 +7433,6 @@
   <p:clrMapOvr>
     <a:masterClrMapping/>
   </p:clrMapOvr>
-  <p:timing>
-    <p:tnLst>
-      <p:par>
-        <p:cTn id="1" dur="indefinite" restart="never" nodeType="tmRoot"/>
-      </p:par>
-    </p:tnLst>
-  </p:timing>
 </p:sld>
 </file>
 
@@ -7623,13 +7546,6 @@
   <p:clrMapOvr>
     <a:masterClrMapping/>
   </p:clrMapOvr>
-  <p:timing>
-    <p:tnLst>
-      <p:par>
-        <p:cTn id="1" dur="indefinite" restart="never" nodeType="tmRoot"/>
-      </p:par>
-    </p:tnLst>
-  </p:timing>
 </p:sld>
 </file>
 
@@ -7743,13 +7659,6 @@
   <p:clrMapOvr>
     <a:masterClrMapping/>
   </p:clrMapOvr>
-  <p:timing>
-    <p:tnLst>
-      <p:par>
-        <p:cTn id="1" dur="indefinite" restart="never" nodeType="tmRoot"/>
-      </p:par>
-    </p:tnLst>
-  </p:timing>
 </p:sld>
 </file>
 
@@ -7882,13 +7791,6 @@
   <p:clrMapOvr>
     <a:masterClrMapping/>
   </p:clrMapOvr>
-  <p:timing>
-    <p:tnLst>
-      <p:par>
-        <p:cTn id="1" dur="indefinite" restart="never" nodeType="tmRoot"/>
-      </p:par>
-    </p:tnLst>
-  </p:timing>
 </p:sld>
 </file>
 
@@ -8002,13 +7904,6 @@
   <p:clrMapOvr>
     <a:masterClrMapping/>
   </p:clrMapOvr>
-  <p:timing>
-    <p:tnLst>
-      <p:par>
-        <p:cTn id="1" dur="indefinite" restart="never" nodeType="tmRoot"/>
-      </p:par>
-    </p:tnLst>
-  </p:timing>
 </p:sld>
 </file>
 
@@ -8103,13 +7998,6 @@
   <p:clrMapOvr>
     <a:masterClrMapping/>
   </p:clrMapOvr>
-  <p:timing>
-    <p:tnLst>
-      <p:par>
-        <p:cTn id="1" dur="indefinite" restart="never" nodeType="tmRoot"/>
-      </p:par>
-    </p:tnLst>
-  </p:timing>
 </p:sld>
 </file>
 

--- a/O QUE TUA GLÓRIA FEZ COMIGO.pptx
+++ b/O QUE TUA GLÓRIA FEZ COMIGO.pptx
@@ -324,7 +324,7 @@
           <a:p>
             <a:fld id="{C764DE79-268F-4C1A-8933-263129D2AF90}" type="datetimeFigureOut">
               <a:rPr lang="en-US" smtClean="0"/>
-              <a:t>12/26/2021</a:t>
+              <a:t>10/2/2022</a:t>
             </a:fld>
             <a:endParaRPr lang="en-US" dirty="0"/>
           </a:p>
@@ -599,7 +599,7 @@
           <a:p>
             <a:fld id="{C764DE79-268F-4C1A-8933-263129D2AF90}" type="datetimeFigureOut">
               <a:rPr lang="en-US" smtClean="0"/>
-              <a:t>12/26/2021</a:t>
+              <a:t>10/2/2022</a:t>
             </a:fld>
             <a:endParaRPr lang="en-US" dirty="0"/>
           </a:p>
@@ -793,7 +793,7 @@
           <a:p>
             <a:fld id="{C764DE79-268F-4C1A-8933-263129D2AF90}" type="datetimeFigureOut">
               <a:rPr lang="en-US" smtClean="0"/>
-              <a:t>12/26/2021</a:t>
+              <a:t>10/2/2022</a:t>
             </a:fld>
             <a:endParaRPr lang="en-US" dirty="0"/>
           </a:p>
@@ -1066,7 +1066,7 @@
           <a:p>
             <a:fld id="{C764DE79-268F-4C1A-8933-263129D2AF90}" type="datetimeFigureOut">
               <a:rPr lang="en-US" smtClean="0"/>
-              <a:t>12/26/2021</a:t>
+              <a:t>10/2/2022</a:t>
             </a:fld>
             <a:endParaRPr lang="en-US" dirty="0"/>
           </a:p>
@@ -1407,7 +1407,7 @@
           <a:p>
             <a:fld id="{C764DE79-268F-4C1A-8933-263129D2AF90}" type="datetimeFigureOut">
               <a:rPr lang="en-US" smtClean="0"/>
-              <a:t>12/26/2021</a:t>
+              <a:t>10/2/2022</a:t>
             </a:fld>
             <a:endParaRPr lang="en-US" dirty="0"/>
           </a:p>
@@ -2030,7 +2030,7 @@
           <a:p>
             <a:fld id="{C764DE79-268F-4C1A-8933-263129D2AF90}" type="datetimeFigureOut">
               <a:rPr lang="en-US" smtClean="0"/>
-              <a:t>12/26/2021</a:t>
+              <a:t>10/2/2022</a:t>
             </a:fld>
             <a:endParaRPr lang="en-US" dirty="0"/>
           </a:p>
@@ -2890,7 +2890,7 @@
           <a:p>
             <a:fld id="{C764DE79-268F-4C1A-8933-263129D2AF90}" type="datetimeFigureOut">
               <a:rPr lang="en-US" smtClean="0"/>
-              <a:t>12/26/2021</a:t>
+              <a:t>10/2/2022</a:t>
             </a:fld>
             <a:endParaRPr lang="en-US" dirty="0"/>
           </a:p>
@@ -3060,7 +3060,7 @@
           <a:p>
             <a:fld id="{C764DE79-268F-4C1A-8933-263129D2AF90}" type="datetimeFigureOut">
               <a:rPr lang="en-US" smtClean="0"/>
-              <a:t>12/26/2021</a:t>
+              <a:t>10/2/2022</a:t>
             </a:fld>
             <a:endParaRPr lang="en-US" dirty="0"/>
           </a:p>
@@ -3240,7 +3240,7 @@
           <a:p>
             <a:fld id="{C764DE79-268F-4C1A-8933-263129D2AF90}" type="datetimeFigureOut">
               <a:rPr lang="en-US" smtClean="0"/>
-              <a:t>12/26/2021</a:t>
+              <a:t>10/2/2022</a:t>
             </a:fld>
             <a:endParaRPr lang="en-US" dirty="0"/>
           </a:p>
@@ -3410,7 +3410,7 @@
           <a:p>
             <a:fld id="{C764DE79-268F-4C1A-8933-263129D2AF90}" type="datetimeFigureOut">
               <a:rPr lang="en-US" smtClean="0"/>
-              <a:t>12/26/2021</a:t>
+              <a:t>10/2/2022</a:t>
             </a:fld>
             <a:endParaRPr lang="en-US" dirty="0"/>
           </a:p>
@@ -3657,7 +3657,7 @@
           <a:p>
             <a:fld id="{C764DE79-268F-4C1A-8933-263129D2AF90}" type="datetimeFigureOut">
               <a:rPr lang="en-US" smtClean="0"/>
-              <a:t>12/26/2021</a:t>
+              <a:t>10/2/2022</a:t>
             </a:fld>
             <a:endParaRPr lang="en-US" dirty="0"/>
           </a:p>
@@ -3949,7 +3949,7 @@
           <a:p>
             <a:fld id="{C764DE79-268F-4C1A-8933-263129D2AF90}" type="datetimeFigureOut">
               <a:rPr lang="en-US" smtClean="0"/>
-              <a:t>12/26/2021</a:t>
+              <a:t>10/2/2022</a:t>
             </a:fld>
             <a:endParaRPr lang="en-US" dirty="0"/>
           </a:p>
@@ -4393,7 +4393,7 @@
           <a:p>
             <a:fld id="{C764DE79-268F-4C1A-8933-263129D2AF90}" type="datetimeFigureOut">
               <a:rPr lang="en-US" smtClean="0"/>
-              <a:t>12/26/2021</a:t>
+              <a:t>10/2/2022</a:t>
             </a:fld>
             <a:endParaRPr lang="en-US" dirty="0"/>
           </a:p>
@@ -4511,7 +4511,7 @@
           <a:p>
             <a:fld id="{C764DE79-268F-4C1A-8933-263129D2AF90}" type="datetimeFigureOut">
               <a:rPr lang="en-US" smtClean="0"/>
-              <a:t>12/26/2021</a:t>
+              <a:t>10/2/2022</a:t>
             </a:fld>
             <a:endParaRPr lang="en-US" dirty="0"/>
           </a:p>
@@ -4606,7 +4606,7 @@
           <a:p>
             <a:fld id="{C764DE79-268F-4C1A-8933-263129D2AF90}" type="datetimeFigureOut">
               <a:rPr lang="en-US" smtClean="0"/>
-              <a:t>12/26/2021</a:t>
+              <a:t>10/2/2022</a:t>
             </a:fld>
             <a:endParaRPr lang="en-US" dirty="0"/>
           </a:p>
@@ -4885,7 +4885,7 @@
           <a:p>
             <a:fld id="{C764DE79-268F-4C1A-8933-263129D2AF90}" type="datetimeFigureOut">
               <a:rPr lang="en-US" smtClean="0"/>
-              <a:t>12/26/2021</a:t>
+              <a:t>10/2/2022</a:t>
             </a:fld>
             <a:endParaRPr lang="en-US" dirty="0"/>
           </a:p>
@@ -5160,7 +5160,7 @@
           <a:p>
             <a:fld id="{C764DE79-268F-4C1A-8933-263129D2AF90}" type="datetimeFigureOut">
               <a:rPr lang="en-US" smtClean="0"/>
-              <a:t>12/26/2021</a:t>
+              <a:t>10/2/2022</a:t>
             </a:fld>
             <a:endParaRPr lang="en-US" dirty="0"/>
           </a:p>
@@ -5589,7 +5589,7 @@
           <a:p>
             <a:fld id="{C764DE79-268F-4C1A-8933-263129D2AF90}" type="datetimeFigureOut">
               <a:rPr lang="en-US" smtClean="0"/>
-              <a:t>12/26/2021</a:t>
+              <a:t>10/2/2022</a:t>
             </a:fld>
             <a:endParaRPr lang="en-US" dirty="0"/>
           </a:p>
@@ -6230,6 +6230,13 @@
   <p:clrMapOvr>
     <a:masterClrMapping/>
   </p:clrMapOvr>
+  <p:timing>
+    <p:tnLst>
+      <p:par>
+        <p:cTn id="1" dur="indefinite" restart="never" nodeType="tmRoot"/>
+      </p:par>
+    </p:tnLst>
+  </p:timing>
 </p:sld>
 </file>
 
@@ -6343,6 +6350,13 @@
   <p:clrMapOvr>
     <a:masterClrMapping/>
   </p:clrMapOvr>
+  <p:timing>
+    <p:tnLst>
+      <p:par>
+        <p:cTn id="1" dur="indefinite" restart="never" nodeType="tmRoot"/>
+      </p:par>
+    </p:tnLst>
+  </p:timing>
 </p:sld>
 </file>
 
@@ -6475,6 +6489,13 @@
   <p:clrMapOvr>
     <a:masterClrMapping/>
   </p:clrMapOvr>
+  <p:timing>
+    <p:tnLst>
+      <p:par>
+        <p:cTn id="1" dur="indefinite" restart="never" nodeType="tmRoot"/>
+      </p:par>
+    </p:tnLst>
+  </p:timing>
 </p:sld>
 </file>
 
@@ -6598,6 +6619,13 @@
   <p:clrMapOvr>
     <a:masterClrMapping/>
   </p:clrMapOvr>
+  <p:timing>
+    <p:tnLst>
+      <p:par>
+        <p:cTn id="1" dur="indefinite" restart="never" nodeType="tmRoot"/>
+      </p:par>
+    </p:tnLst>
+  </p:timing>
 </p:sld>
 </file>
 
@@ -6711,6 +6739,13 @@
   <p:clrMapOvr>
     <a:masterClrMapping/>
   </p:clrMapOvr>
+  <p:timing>
+    <p:tnLst>
+      <p:par>
+        <p:cTn id="1" dur="indefinite" restart="never" nodeType="tmRoot"/>
+      </p:par>
+    </p:tnLst>
+  </p:timing>
 </p:sld>
 </file>
 
@@ -6843,6 +6878,13 @@
   <p:clrMapOvr>
     <a:masterClrMapping/>
   </p:clrMapOvr>
+  <p:timing>
+    <p:tnLst>
+      <p:par>
+        <p:cTn id="1" dur="indefinite" restart="never" nodeType="tmRoot"/>
+      </p:par>
+    </p:tnLst>
+  </p:timing>
 </p:sld>
 </file>
 
@@ -6956,6 +6998,13 @@
   <p:clrMapOvr>
     <a:masterClrMapping/>
   </p:clrMapOvr>
+  <p:timing>
+    <p:tnLst>
+      <p:par>
+        <p:cTn id="1" dur="indefinite" restart="never" nodeType="tmRoot"/>
+      </p:par>
+    </p:tnLst>
+  </p:timing>
 </p:sld>
 </file>
 
@@ -7053,6 +7102,13 @@
   <p:clrMapOvr>
     <a:masterClrMapping/>
   </p:clrMapOvr>
+  <p:timing>
+    <p:tnLst>
+      <p:par>
+        <p:cTn id="1" dur="indefinite" restart="never" nodeType="tmRoot"/>
+      </p:par>
+    </p:tnLst>
+  </p:timing>
 </p:sld>
 </file>
 
@@ -7204,6 +7260,13 @@
   <p:clrMapOvr>
     <a:masterClrMapping/>
   </p:clrMapOvr>
+  <p:timing>
+    <p:tnLst>
+      <p:par>
+        <p:cTn id="1" dur="indefinite" restart="never" nodeType="tmRoot"/>
+      </p:par>
+    </p:tnLst>
+  </p:timing>
 </p:sld>
 </file>
 
@@ -7317,6 +7380,13 @@
   <p:clrMapOvr>
     <a:masterClrMapping/>
   </p:clrMapOvr>
+  <p:timing>
+    <p:tnLst>
+      <p:par>
+        <p:cTn id="1" dur="indefinite" restart="never" nodeType="tmRoot"/>
+      </p:par>
+    </p:tnLst>
+  </p:timing>
 </p:sld>
 </file>
 
@@ -7433,6 +7503,13 @@
   <p:clrMapOvr>
     <a:masterClrMapping/>
   </p:clrMapOvr>
+  <p:timing>
+    <p:tnLst>
+      <p:par>
+        <p:cTn id="1" dur="indefinite" restart="never" nodeType="tmRoot"/>
+      </p:par>
+    </p:tnLst>
+  </p:timing>
 </p:sld>
 </file>
 
@@ -7546,6 +7623,13 @@
   <p:clrMapOvr>
     <a:masterClrMapping/>
   </p:clrMapOvr>
+  <p:timing>
+    <p:tnLst>
+      <p:par>
+        <p:cTn id="1" dur="indefinite" restart="never" nodeType="tmRoot"/>
+      </p:par>
+    </p:tnLst>
+  </p:timing>
 </p:sld>
 </file>
 
@@ -7659,6 +7743,13 @@
   <p:clrMapOvr>
     <a:masterClrMapping/>
   </p:clrMapOvr>
+  <p:timing>
+    <p:tnLst>
+      <p:par>
+        <p:cTn id="1" dur="indefinite" restart="never" nodeType="tmRoot"/>
+      </p:par>
+    </p:tnLst>
+  </p:timing>
 </p:sld>
 </file>
 
@@ -7791,6 +7882,13 @@
   <p:clrMapOvr>
     <a:masterClrMapping/>
   </p:clrMapOvr>
+  <p:timing>
+    <p:tnLst>
+      <p:par>
+        <p:cTn id="1" dur="indefinite" restart="never" nodeType="tmRoot"/>
+      </p:par>
+    </p:tnLst>
+  </p:timing>
 </p:sld>
 </file>
 
@@ -7904,6 +8002,13 @@
   <p:clrMapOvr>
     <a:masterClrMapping/>
   </p:clrMapOvr>
+  <p:timing>
+    <p:tnLst>
+      <p:par>
+        <p:cTn id="1" dur="indefinite" restart="never" nodeType="tmRoot"/>
+      </p:par>
+    </p:tnLst>
+  </p:timing>
 </p:sld>
 </file>
 
@@ -7998,6 +8103,13 @@
   <p:clrMapOvr>
     <a:masterClrMapping/>
   </p:clrMapOvr>
+  <p:timing>
+    <p:tnLst>
+      <p:par>
+        <p:cTn id="1" dur="indefinite" restart="never" nodeType="tmRoot"/>
+      </p:par>
+    </p:tnLst>
+  </p:timing>
 </p:sld>
 </file>
 
